--- a/Results/Result Presentation.pptx
+++ b/Results/Result Presentation.pptx
@@ -9,9 +9,12 @@
     <p:sldId id="257" r:id="rId3"/>
     <p:sldId id="259" r:id="rId4"/>
     <p:sldId id="258" r:id="rId5"/>
-    <p:sldId id="260" r:id="rId6"/>
-    <p:sldId id="261" r:id="rId7"/>
-    <p:sldId id="262" r:id="rId8"/>
+    <p:sldId id="263" r:id="rId6"/>
+    <p:sldId id="260" r:id="rId7"/>
+    <p:sldId id="261" r:id="rId8"/>
+    <p:sldId id="265" r:id="rId9"/>
+    <p:sldId id="264" r:id="rId10"/>
+    <p:sldId id="262" r:id="rId11"/>
   </p:sldIdLst>
   <p:sldSz cx="9144000" cy="6858000" type="screen4x3"/>
   <p:notesSz cx="6858000" cy="9144000"/>
@@ -3539,6 +3542,64 @@
 </p:sld>
 </file>
 
+<file path=ppt/slides/slide10.xml><?xml version="1.0" encoding="utf-8"?>
+<p:sld xmlns:a="http://schemas.openxmlformats.org/drawingml/2006/main" xmlns:r="http://schemas.openxmlformats.org/officeDocument/2006/relationships" xmlns:p="http://schemas.openxmlformats.org/presentationml/2006/main">
+  <p:cSld>
+    <p:spTree>
+      <p:nvGrpSpPr>
+        <p:cNvPr id="1" name=""/>
+        <p:cNvGrpSpPr/>
+        <p:nvPr/>
+      </p:nvGrpSpPr>
+      <p:grpSpPr>
+        <a:xfrm>
+          <a:off x="0" y="0"/>
+          <a:ext cx="0" cy="0"/>
+          <a:chOff x="0" y="0"/>
+          <a:chExt cx="0" cy="0"/>
+        </a:xfrm>
+      </p:grpSpPr>
+      <p:sp>
+        <p:nvSpPr>
+          <p:cNvPr id="2" name="Title 1">
+            <a:extLst>
+              <a:ext uri="{FF2B5EF4-FFF2-40B4-BE49-F238E27FC236}">
+                <a16:creationId xmlns:a16="http://schemas.microsoft.com/office/drawing/2014/main" id="{C3DC1E56-3DB3-4FF1-9E59-357054B4A85C}"/>
+              </a:ext>
+            </a:extLst>
+          </p:cNvPr>
+          <p:cNvSpPr>
+            <a:spLocks noGrp="1"/>
+          </p:cNvSpPr>
+          <p:nvPr>
+            <p:ph type="title"/>
+          </p:nvPr>
+        </p:nvSpPr>
+        <p:spPr/>
+        <p:txBody>
+          <a:bodyPr/>
+          <a:lstStyle/>
+          <a:p>
+            <a:r>
+              <a:rPr lang="en-US" dirty="0"/>
+              <a:t>Conclusion</a:t>
+            </a:r>
+          </a:p>
+        </p:txBody>
+      </p:sp>
+    </p:spTree>
+    <p:extLst>
+      <p:ext uri="{BB962C8B-B14F-4D97-AF65-F5344CB8AC3E}">
+        <p14:creationId xmlns:p14="http://schemas.microsoft.com/office/powerpoint/2010/main" val="3939449522"/>
+      </p:ext>
+    </p:extLst>
+  </p:cSld>
+  <p:clrMapOvr>
+    <a:masterClrMapping/>
+  </p:clrMapOvr>
+</p:sld>
+</file>
+
 <file path=ppt/slides/slide2.xml><?xml version="1.0" encoding="utf-8"?>
 <p:sld xmlns:a="http://schemas.openxmlformats.org/drawingml/2006/main" xmlns:r="http://schemas.openxmlformats.org/officeDocument/2006/relationships" xmlns:p="http://schemas.openxmlformats.org/presentationml/2006/main">
   <p:cSld>
@@ -3717,7 +3778,7 @@
         </p:spPr>
         <p:txBody>
           <a:bodyPr>
-            <a:normAutofit fontScale="92500" lnSpcReduction="10000"/>
+            <a:normAutofit fontScale="92500" lnSpcReduction="20000"/>
           </a:bodyPr>
           <a:lstStyle/>
           <a:p>
@@ -3744,7 +3805,7 @@
             </a:pPr>
             <a:r>
               <a:rPr lang="en-US" sz="1800" dirty="0"/>
-              <a:t>Therefore, we first pick the predictors that has significant influence on game result using subset selection. With these predictors and data from 2000 season to 2012 season, we train a linear regression model and test it with the data from 2013 season for both NFL teams and College Football teams.</a:t>
+              <a:t>Therefore, we first pick the number of predictors that has significant influence on game result using subset selection. We then compared the models suggested by best subset selection and penalized regression (LASSO). With these predictors and data from 2000 season to 2013 season, we train a linear regression model and test it with cross-validation to estimate our mean squared prediction error.</a:t>
             </a:r>
           </a:p>
           <a:p>
@@ -3759,7 +3820,7 @@
             </a:pPr>
             <a:r>
               <a:rPr lang="en-US" sz="1800" dirty="0"/>
-              <a:t>Then, we utilize PCA (principle component analysis) to reduce the dimension of our model to only two predictors. Afterwards, we impalement K-Means clustering using the PCA predictors obtained above to generate 2 clusters. One cluster contains teams that have great possibility to qualify the playoffs and the other cluster contains teams that are not likely to qualify the playoffs.</a:t>
+              <a:t>Then, we utilize PCA (principle component analysis) to reduce the dimension of our model to only two PC -values. Afterwards, we impalement K-Means clustering using the PC -values obtained above to generate 2 clusters. One cluster contains teams that have great possibility to qualify the playoffs and the other cluster contains teams that are not likely to qualify the playoffs.</a:t>
             </a:r>
           </a:p>
           <a:p>
@@ -4016,40 +4077,45 @@
           </a:p>
         </p:txBody>
       </p:sp>
-      <p:sp>
-        <p:nvSpPr>
-          <p:cNvPr id="6" name="Content Placeholder 5">
+      <p:pic>
+        <p:nvPicPr>
+          <p:cNvPr id="4" name="Content Placeholder 3">
             <a:extLst>
               <a:ext uri="{FF2B5EF4-FFF2-40B4-BE49-F238E27FC236}">
-                <a16:creationId xmlns:a16="http://schemas.microsoft.com/office/drawing/2014/main" id="{4D2223FC-F910-4A57-BE31-142A8E3EB17D}"/>
+                <a16:creationId xmlns:a16="http://schemas.microsoft.com/office/drawing/2014/main" id="{B6DF5A06-AF19-415D-BAF5-5E99955E63CF}"/>
               </a:ext>
             </a:extLst>
           </p:cNvPr>
-          <p:cNvSpPr>
-            <a:spLocks noGrp="1"/>
-          </p:cNvSpPr>
+          <p:cNvPicPr>
+            <a:picLocks noGrp="1" noChangeAspect="1"/>
+          </p:cNvPicPr>
           <p:nvPr>
             <p:ph sz="quarter" idx="4"/>
           </p:nvPr>
-        </p:nvSpPr>
+        </p:nvPicPr>
+        <p:blipFill>
+          <a:blip r:embed="rId2">
+            <a:extLst>
+              <a:ext uri="{28A0092B-C50C-407E-A947-70E740481C1C}">
+                <a14:useLocalDpi xmlns:a14="http://schemas.microsoft.com/office/drawing/2010/main" val="0"/>
+              </a:ext>
+            </a:extLst>
+          </a:blip>
+          <a:stretch>
+            <a:fillRect/>
+          </a:stretch>
+        </p:blipFill>
         <p:spPr>
           <a:xfrm>
-            <a:off x="754376" y="2054655"/>
-            <a:ext cx="7924190" cy="3645878"/>
+            <a:off x="2852062" y="2054225"/>
+            <a:ext cx="3728801" cy="3646488"/>
           </a:xfrm>
         </p:spPr>
-        <p:txBody>
-          <a:bodyPr/>
-          <a:lstStyle/>
-          <a:p>
-            <a:endParaRPr lang="en-US" dirty="0"/>
-          </a:p>
-        </p:txBody>
-      </p:sp>
+      </p:pic>
     </p:spTree>
     <p:extLst>
       <p:ext uri="{BB962C8B-B14F-4D97-AF65-F5344CB8AC3E}">
-        <p14:creationId xmlns:p14="http://schemas.microsoft.com/office/powerpoint/2010/main" val="2422670586"/>
+        <p14:creationId xmlns:p14="http://schemas.microsoft.com/office/powerpoint/2010/main" val="1137861513"/>
       </p:ext>
     </p:extLst>
   </p:cSld>
@@ -4081,7 +4147,7 @@
           <p:cNvPr id="2" name="Title 1">
             <a:extLst>
               <a:ext uri="{FF2B5EF4-FFF2-40B4-BE49-F238E27FC236}">
-                <a16:creationId xmlns:a16="http://schemas.microsoft.com/office/drawing/2014/main" id="{647971E9-0998-48DF-B5BA-1AA8457FDB99}"/>
+                <a16:creationId xmlns:a16="http://schemas.microsoft.com/office/drawing/2014/main" id="{C58ED5AB-14A3-410E-9E39-A8CC94FB391A}"/>
               </a:ext>
             </a:extLst>
           </p:cNvPr>
@@ -4099,45 +4165,50 @@
           <a:p>
             <a:r>
               <a:rPr lang="en-US" dirty="0"/>
-              <a:t>Analysis - Clustering</a:t>
-            </a:r>
-          </a:p>
-        </p:txBody>
-      </p:sp>
-      <p:sp>
-        <p:nvSpPr>
-          <p:cNvPr id="6" name="Content Placeholder 5">
+              <a:t>Analysis – Linear Regression</a:t>
+            </a:r>
+          </a:p>
+        </p:txBody>
+      </p:sp>
+      <p:pic>
+        <p:nvPicPr>
+          <p:cNvPr id="4" name="Content Placeholder 3">
             <a:extLst>
               <a:ext uri="{FF2B5EF4-FFF2-40B4-BE49-F238E27FC236}">
-                <a16:creationId xmlns:a16="http://schemas.microsoft.com/office/drawing/2014/main" id="{0CA4AA9E-0F1B-41A2-AD2E-781F182669B0}"/>
+                <a16:creationId xmlns:a16="http://schemas.microsoft.com/office/drawing/2014/main" id="{CA98D69F-B6A0-432C-997C-07658955E911}"/>
               </a:ext>
             </a:extLst>
           </p:cNvPr>
-          <p:cNvSpPr>
-            <a:spLocks noGrp="1"/>
-          </p:cNvSpPr>
+          <p:cNvPicPr>
+            <a:picLocks noGrp="1" noChangeAspect="1"/>
+          </p:cNvPicPr>
           <p:nvPr>
             <p:ph sz="quarter" idx="4"/>
           </p:nvPr>
-        </p:nvSpPr>
+        </p:nvPicPr>
+        <p:blipFill>
+          <a:blip r:embed="rId2">
+            <a:extLst>
+              <a:ext uri="{28A0092B-C50C-407E-A947-70E740481C1C}">
+                <a14:useLocalDpi xmlns:a14="http://schemas.microsoft.com/office/drawing/2010/main" val="0"/>
+              </a:ext>
+            </a:extLst>
+          </a:blip>
+          <a:stretch>
+            <a:fillRect/>
+          </a:stretch>
+        </p:blipFill>
         <p:spPr>
           <a:xfrm>
-            <a:off x="686257" y="1995057"/>
-            <a:ext cx="7771485" cy="3798583"/>
+            <a:off x="2006803" y="2054225"/>
+            <a:ext cx="5419319" cy="3646488"/>
           </a:xfrm>
         </p:spPr>
-        <p:txBody>
-          <a:bodyPr/>
-          <a:lstStyle/>
-          <a:p>
-            <a:endParaRPr lang="en-US" dirty="0"/>
-          </a:p>
-        </p:txBody>
-      </p:sp>
+      </p:pic>
     </p:spTree>
     <p:extLst>
       <p:ext uri="{BB962C8B-B14F-4D97-AF65-F5344CB8AC3E}">
-        <p14:creationId xmlns:p14="http://schemas.microsoft.com/office/powerpoint/2010/main" val="2717374953"/>
+        <p14:creationId xmlns:p14="http://schemas.microsoft.com/office/powerpoint/2010/main" val="2422670586"/>
       </p:ext>
     </p:extLst>
   </p:cSld>
@@ -4169,7 +4240,7 @@
           <p:cNvPr id="2" name="Title 1">
             <a:extLst>
               <a:ext uri="{FF2B5EF4-FFF2-40B4-BE49-F238E27FC236}">
-                <a16:creationId xmlns:a16="http://schemas.microsoft.com/office/drawing/2014/main" id="{C3DC1E56-3DB3-4FF1-9E59-357054B4A85C}"/>
+                <a16:creationId xmlns:a16="http://schemas.microsoft.com/office/drawing/2014/main" id="{647971E9-0998-48DF-B5BA-1AA8457FDB99}"/>
               </a:ext>
             </a:extLst>
           </p:cNvPr>
@@ -4187,15 +4258,272 @@
           <a:p>
             <a:r>
               <a:rPr lang="en-US" dirty="0"/>
-              <a:t>Conclusion</a:t>
-            </a:r>
-          </a:p>
-        </p:txBody>
-      </p:sp>
+              <a:t>Analysis - Clustering</a:t>
+            </a:r>
+          </a:p>
+        </p:txBody>
+      </p:sp>
+      <p:pic>
+        <p:nvPicPr>
+          <p:cNvPr id="4" name="Content Placeholder 3">
+            <a:extLst>
+              <a:ext uri="{FF2B5EF4-FFF2-40B4-BE49-F238E27FC236}">
+                <a16:creationId xmlns:a16="http://schemas.microsoft.com/office/drawing/2014/main" id="{7FAC61FE-2CB1-4685-8D0C-2CEEA7F6466D}"/>
+              </a:ext>
+            </a:extLst>
+          </p:cNvPr>
+          <p:cNvPicPr>
+            <a:picLocks noGrp="1" noChangeAspect="1"/>
+          </p:cNvPicPr>
+          <p:nvPr>
+            <p:ph sz="quarter" idx="4"/>
+          </p:nvPr>
+        </p:nvPicPr>
+        <p:blipFill>
+          <a:blip r:embed="rId2">
+            <a:extLst>
+              <a:ext uri="{28A0092B-C50C-407E-A947-70E740481C1C}">
+                <a14:useLocalDpi xmlns:a14="http://schemas.microsoft.com/office/drawing/2010/main" val="0"/>
+              </a:ext>
+            </a:extLst>
+          </a:blip>
+          <a:stretch>
+            <a:fillRect/>
+          </a:stretch>
+        </p:blipFill>
+        <p:spPr>
+          <a:xfrm>
+            <a:off x="4075451" y="2054655"/>
+            <a:ext cx="4671156" cy="3530954"/>
+          </a:xfrm>
+        </p:spPr>
+      </p:pic>
     </p:spTree>
     <p:extLst>
       <p:ext uri="{BB962C8B-B14F-4D97-AF65-F5344CB8AC3E}">
-        <p14:creationId xmlns:p14="http://schemas.microsoft.com/office/powerpoint/2010/main" val="3939449522"/>
+        <p14:creationId xmlns:p14="http://schemas.microsoft.com/office/powerpoint/2010/main" val="2717374953"/>
+      </p:ext>
+    </p:extLst>
+  </p:cSld>
+  <p:clrMapOvr>
+    <a:masterClrMapping/>
+  </p:clrMapOvr>
+</p:sld>
+</file>
+
+<file path=ppt/slides/slide8.xml><?xml version="1.0" encoding="utf-8"?>
+<p:sld xmlns:a="http://schemas.openxmlformats.org/drawingml/2006/main" xmlns:r="http://schemas.openxmlformats.org/officeDocument/2006/relationships" xmlns:p="http://schemas.openxmlformats.org/presentationml/2006/main">
+  <p:cSld>
+    <p:spTree>
+      <p:nvGrpSpPr>
+        <p:cNvPr id="1" name=""/>
+        <p:cNvGrpSpPr/>
+        <p:nvPr/>
+      </p:nvGrpSpPr>
+      <p:grpSpPr>
+        <a:xfrm>
+          <a:off x="0" y="0"/>
+          <a:ext cx="0" cy="0"/>
+          <a:chOff x="0" y="0"/>
+          <a:chExt cx="0" cy="0"/>
+        </a:xfrm>
+      </p:grpSpPr>
+      <p:sp>
+        <p:nvSpPr>
+          <p:cNvPr id="2" name="Title 1">
+            <a:extLst>
+              <a:ext uri="{FF2B5EF4-FFF2-40B4-BE49-F238E27FC236}">
+                <a16:creationId xmlns:a16="http://schemas.microsoft.com/office/drawing/2014/main" id="{647971E9-0998-48DF-B5BA-1AA8457FDB99}"/>
+              </a:ext>
+            </a:extLst>
+          </p:cNvPr>
+          <p:cNvSpPr>
+            <a:spLocks noGrp="1"/>
+          </p:cNvSpPr>
+          <p:nvPr>
+            <p:ph type="title"/>
+          </p:nvPr>
+        </p:nvSpPr>
+        <p:spPr/>
+        <p:txBody>
+          <a:bodyPr/>
+          <a:lstStyle/>
+          <a:p>
+            <a:r>
+              <a:rPr lang="en-US" dirty="0"/>
+              <a:t>Analysis - Clustering</a:t>
+            </a:r>
+          </a:p>
+        </p:txBody>
+      </p:sp>
+      <p:pic>
+        <p:nvPicPr>
+          <p:cNvPr id="11" name="Content Placeholder 10">
+            <a:extLst>
+              <a:ext uri="{FF2B5EF4-FFF2-40B4-BE49-F238E27FC236}">
+                <a16:creationId xmlns:a16="http://schemas.microsoft.com/office/drawing/2014/main" id="{267879E1-7F56-47DB-85A8-674FC7A1E93F}"/>
+              </a:ext>
+            </a:extLst>
+          </p:cNvPr>
+          <p:cNvPicPr>
+            <a:picLocks noGrp="1" noChangeAspect="1"/>
+          </p:cNvPicPr>
+          <p:nvPr>
+            <p:ph sz="quarter" idx="4"/>
+          </p:nvPr>
+        </p:nvPicPr>
+        <p:blipFill>
+          <a:blip r:embed="rId2">
+            <a:extLst>
+              <a:ext uri="{28A0092B-C50C-407E-A947-70E740481C1C}">
+                <a14:useLocalDpi xmlns:a14="http://schemas.microsoft.com/office/drawing/2010/main" val="0"/>
+              </a:ext>
+            </a:extLst>
+          </a:blip>
+          <a:stretch>
+            <a:fillRect/>
+          </a:stretch>
+        </p:blipFill>
+        <p:spPr>
+          <a:xfrm>
+            <a:off x="4637088" y="2836907"/>
+            <a:ext cx="4041775" cy="2692311"/>
+          </a:xfrm>
+        </p:spPr>
+      </p:pic>
+      <p:pic>
+        <p:nvPicPr>
+          <p:cNvPr id="13" name="Picture 12">
+            <a:extLst>
+              <a:ext uri="{FF2B5EF4-FFF2-40B4-BE49-F238E27FC236}">
+                <a16:creationId xmlns:a16="http://schemas.microsoft.com/office/drawing/2014/main" id="{893039A1-0390-4DEF-B91B-D231A3AF3CE1}"/>
+              </a:ext>
+            </a:extLst>
+          </p:cNvPr>
+          <p:cNvPicPr>
+            <a:picLocks noChangeAspect="1"/>
+          </p:cNvPicPr>
+          <p:nvPr/>
+        </p:nvPicPr>
+        <p:blipFill>
+          <a:blip r:embed="rId3">
+            <a:extLst>
+              <a:ext uri="{28A0092B-C50C-407E-A947-70E740481C1C}">
+                <a14:useLocalDpi xmlns:a14="http://schemas.microsoft.com/office/drawing/2010/main" val="0"/>
+              </a:ext>
+            </a:extLst>
+          </a:blip>
+          <a:stretch>
+            <a:fillRect/>
+          </a:stretch>
+        </p:blipFill>
+        <p:spPr>
+          <a:xfrm>
+            <a:off x="502140" y="2836907"/>
+            <a:ext cx="4112134" cy="2692310"/>
+          </a:xfrm>
+          <a:prstGeom prst="rect">
+            <a:avLst/>
+          </a:prstGeom>
+        </p:spPr>
+      </p:pic>
+    </p:spTree>
+    <p:extLst>
+      <p:ext uri="{BB962C8B-B14F-4D97-AF65-F5344CB8AC3E}">
+        <p14:creationId xmlns:p14="http://schemas.microsoft.com/office/powerpoint/2010/main" val="883922752"/>
+      </p:ext>
+    </p:extLst>
+  </p:cSld>
+  <p:clrMapOvr>
+    <a:masterClrMapping/>
+  </p:clrMapOvr>
+</p:sld>
+</file>
+
+<file path=ppt/slides/slide9.xml><?xml version="1.0" encoding="utf-8"?>
+<p:sld xmlns:a="http://schemas.openxmlformats.org/drawingml/2006/main" xmlns:r="http://schemas.openxmlformats.org/officeDocument/2006/relationships" xmlns:p="http://schemas.openxmlformats.org/presentationml/2006/main">
+  <p:cSld>
+    <p:spTree>
+      <p:nvGrpSpPr>
+        <p:cNvPr id="1" name=""/>
+        <p:cNvGrpSpPr/>
+        <p:nvPr/>
+      </p:nvGrpSpPr>
+      <p:grpSpPr>
+        <a:xfrm>
+          <a:off x="0" y="0"/>
+          <a:ext cx="0" cy="0"/>
+          <a:chOff x="0" y="0"/>
+          <a:chExt cx="0" cy="0"/>
+        </a:xfrm>
+      </p:grpSpPr>
+      <p:sp>
+        <p:nvSpPr>
+          <p:cNvPr id="2" name="Title 1">
+            <a:extLst>
+              <a:ext uri="{FF2B5EF4-FFF2-40B4-BE49-F238E27FC236}">
+                <a16:creationId xmlns:a16="http://schemas.microsoft.com/office/drawing/2014/main" id="{647971E9-0998-48DF-B5BA-1AA8457FDB99}"/>
+              </a:ext>
+            </a:extLst>
+          </p:cNvPr>
+          <p:cNvSpPr>
+            <a:spLocks noGrp="1"/>
+          </p:cNvSpPr>
+          <p:nvPr>
+            <p:ph type="title"/>
+          </p:nvPr>
+        </p:nvSpPr>
+        <p:spPr/>
+        <p:txBody>
+          <a:bodyPr/>
+          <a:lstStyle/>
+          <a:p>
+            <a:r>
+              <a:rPr lang="en-US" dirty="0"/>
+              <a:t>Analysis - Clustering</a:t>
+            </a:r>
+          </a:p>
+        </p:txBody>
+      </p:sp>
+      <p:pic>
+        <p:nvPicPr>
+          <p:cNvPr id="4" name="Content Placeholder 3">
+            <a:extLst>
+              <a:ext uri="{FF2B5EF4-FFF2-40B4-BE49-F238E27FC236}">
+                <a16:creationId xmlns:a16="http://schemas.microsoft.com/office/drawing/2014/main" id="{EB1793DB-F7F8-4D7F-A220-0C4BF141AA49}"/>
+              </a:ext>
+            </a:extLst>
+          </p:cNvPr>
+          <p:cNvPicPr>
+            <a:picLocks noGrp="1" noChangeAspect="1"/>
+          </p:cNvPicPr>
+          <p:nvPr>
+            <p:ph sz="quarter" idx="4"/>
+          </p:nvPr>
+        </p:nvPicPr>
+        <p:blipFill>
+          <a:blip r:embed="rId2">
+            <a:extLst>
+              <a:ext uri="{28A0092B-C50C-407E-A947-70E740481C1C}">
+                <a14:useLocalDpi xmlns:a14="http://schemas.microsoft.com/office/drawing/2010/main" val="0"/>
+              </a:ext>
+            </a:extLst>
+          </a:blip>
+          <a:stretch>
+            <a:fillRect/>
+          </a:stretch>
+        </p:blipFill>
+        <p:spPr>
+          <a:xfrm>
+            <a:off x="4419295" y="2512770"/>
+            <a:ext cx="4548210" cy="3000196"/>
+          </a:xfrm>
+        </p:spPr>
+      </p:pic>
+    </p:spTree>
+    <p:extLst>
+      <p:ext uri="{BB962C8B-B14F-4D97-AF65-F5344CB8AC3E}">
+        <p14:creationId xmlns:p14="http://schemas.microsoft.com/office/powerpoint/2010/main" val="2439341579"/>
       </p:ext>
     </p:extLst>
   </p:cSld>

--- a/Results/Result Presentation.pptx
+++ b/Results/Result Presentation.pptx
@@ -11,10 +11,12 @@
     <p:sldId id="258" r:id="rId5"/>
     <p:sldId id="263" r:id="rId6"/>
     <p:sldId id="260" r:id="rId7"/>
-    <p:sldId id="261" r:id="rId8"/>
-    <p:sldId id="265" r:id="rId9"/>
-    <p:sldId id="264" r:id="rId10"/>
-    <p:sldId id="262" r:id="rId11"/>
+    <p:sldId id="266" r:id="rId8"/>
+    <p:sldId id="267" r:id="rId9"/>
+    <p:sldId id="261" r:id="rId10"/>
+    <p:sldId id="265" r:id="rId11"/>
+    <p:sldId id="264" r:id="rId12"/>
+    <p:sldId id="262" r:id="rId13"/>
   </p:sldIdLst>
   <p:sldSz cx="9144000" cy="6858000" type="screen4x3"/>
   <p:notesSz cx="6858000" cy="9144000"/>
@@ -3564,6 +3566,340 @@
           <p:cNvPr id="2" name="Title 1">
             <a:extLst>
               <a:ext uri="{FF2B5EF4-FFF2-40B4-BE49-F238E27FC236}">
+                <a16:creationId xmlns:a16="http://schemas.microsoft.com/office/drawing/2014/main" id="{647971E9-0998-48DF-B5BA-1AA8457FDB99}"/>
+              </a:ext>
+            </a:extLst>
+          </p:cNvPr>
+          <p:cNvSpPr>
+            <a:spLocks noGrp="1"/>
+          </p:cNvSpPr>
+          <p:nvPr>
+            <p:ph type="title"/>
+          </p:nvPr>
+        </p:nvSpPr>
+        <p:spPr>
+          <a:xfrm>
+            <a:off x="465435" y="620443"/>
+            <a:ext cx="8229600" cy="990295"/>
+          </a:xfrm>
+        </p:spPr>
+        <p:txBody>
+          <a:bodyPr/>
+          <a:lstStyle/>
+          <a:p>
+            <a:r>
+              <a:rPr lang="en-US" dirty="0"/>
+              <a:t>Analysis - Clustering</a:t>
+            </a:r>
+          </a:p>
+        </p:txBody>
+      </p:sp>
+      <p:pic>
+        <p:nvPicPr>
+          <p:cNvPr id="11" name="Content Placeholder 10">
+            <a:extLst>
+              <a:ext uri="{FF2B5EF4-FFF2-40B4-BE49-F238E27FC236}">
+                <a16:creationId xmlns:a16="http://schemas.microsoft.com/office/drawing/2014/main" id="{267879E1-7F56-47DB-85A8-674FC7A1E93F}"/>
+              </a:ext>
+            </a:extLst>
+          </p:cNvPr>
+          <p:cNvPicPr>
+            <a:picLocks noGrp="1" noChangeAspect="1"/>
+          </p:cNvPicPr>
+          <p:nvPr>
+            <p:ph sz="quarter" idx="4"/>
+          </p:nvPr>
+        </p:nvPicPr>
+        <p:blipFill>
+          <a:blip r:embed="rId2">
+            <a:extLst>
+              <a:ext uri="{28A0092B-C50C-407E-A947-70E740481C1C}">
+                <a14:useLocalDpi xmlns:a14="http://schemas.microsoft.com/office/drawing/2010/main" val="0"/>
+              </a:ext>
+            </a:extLst>
+          </a:blip>
+          <a:stretch>
+            <a:fillRect/>
+          </a:stretch>
+        </p:blipFill>
+        <p:spPr>
+          <a:xfrm>
+            <a:off x="459866" y="3734410"/>
+            <a:ext cx="4041775" cy="2692311"/>
+          </a:xfrm>
+        </p:spPr>
+      </p:pic>
+      <p:pic>
+        <p:nvPicPr>
+          <p:cNvPr id="13" name="Picture 12">
+            <a:extLst>
+              <a:ext uri="{FF2B5EF4-FFF2-40B4-BE49-F238E27FC236}">
+                <a16:creationId xmlns:a16="http://schemas.microsoft.com/office/drawing/2014/main" id="{893039A1-0390-4DEF-B91B-D231A3AF3CE1}"/>
+              </a:ext>
+            </a:extLst>
+          </p:cNvPr>
+          <p:cNvPicPr>
+            <a:picLocks noChangeAspect="1"/>
+          </p:cNvPicPr>
+          <p:nvPr/>
+        </p:nvPicPr>
+        <p:blipFill>
+          <a:blip r:embed="rId3">
+            <a:extLst>
+              <a:ext uri="{28A0092B-C50C-407E-A947-70E740481C1C}">
+                <a14:useLocalDpi xmlns:a14="http://schemas.microsoft.com/office/drawing/2010/main" val="0"/>
+              </a:ext>
+            </a:extLst>
+          </a:blip>
+          <a:stretch>
+            <a:fillRect/>
+          </a:stretch>
+        </p:blipFill>
+        <p:spPr>
+          <a:xfrm>
+            <a:off x="4642361" y="3734411"/>
+            <a:ext cx="4112134" cy="2692310"/>
+          </a:xfrm>
+          <a:prstGeom prst="rect">
+            <a:avLst/>
+          </a:prstGeom>
+        </p:spPr>
+      </p:pic>
+      <p:sp>
+        <p:nvSpPr>
+          <p:cNvPr id="3" name="TextBox 2">
+            <a:extLst>
+              <a:ext uri="{FF2B5EF4-FFF2-40B4-BE49-F238E27FC236}">
+                <a16:creationId xmlns:a16="http://schemas.microsoft.com/office/drawing/2014/main" id="{27DA286A-5835-4DE5-90FD-56A5F45A9889}"/>
+              </a:ext>
+            </a:extLst>
+          </p:cNvPr>
+          <p:cNvSpPr txBox="1"/>
+          <p:nvPr/>
+        </p:nvSpPr>
+        <p:spPr>
+          <a:xfrm>
+            <a:off x="601670" y="1621744"/>
+            <a:ext cx="8213129" cy="2062103"/>
+          </a:xfrm>
+          <a:prstGeom prst="rect">
+            <a:avLst/>
+          </a:prstGeom>
+          <a:noFill/>
+        </p:spPr>
+        <p:txBody>
+          <a:bodyPr wrap="square" rtlCol="0">
+            <a:spAutoFit/>
+          </a:bodyPr>
+          <a:lstStyle/>
+          <a:p>
+            <a:r>
+              <a:rPr lang="en-US" sz="1600" dirty="0">
+                <a:solidFill>
+                  <a:schemeClr val="bg1"/>
+                </a:solidFill>
+              </a:rPr>
+              <a:t>Using the K-Means Elbow Method, we found the ideal number of clusters to be 2. The figure on the left contains 2 clusters, which is the optimal number of clusters. Clusters represent the quality of teams based on collected input variables. According to the table (0 and 1 represent whether the team makes the playoff, 1 = yes), cluster 1 represents the non-playoff teams and cluster 2 are playoff caliber teams. Cluster 1 contained 5/215 = 2.32% of the playoff teams, while cluster 2 contained 75.4% of the playoff teams. This indicates that teams in cluster 2 were more than 30 times more likely to make the playoffs than cluster 1 teams. We also plot the figure that contains 3 clusters.</a:t>
+            </a:r>
+          </a:p>
+        </p:txBody>
+      </p:sp>
+    </p:spTree>
+    <p:extLst>
+      <p:ext uri="{BB962C8B-B14F-4D97-AF65-F5344CB8AC3E}">
+        <p14:creationId xmlns:p14="http://schemas.microsoft.com/office/powerpoint/2010/main" val="883922752"/>
+      </p:ext>
+    </p:extLst>
+  </p:cSld>
+  <p:clrMapOvr>
+    <a:masterClrMapping/>
+  </p:clrMapOvr>
+</p:sld>
+</file>
+
+<file path=ppt/slides/slide11.xml><?xml version="1.0" encoding="utf-8"?>
+<p:sld xmlns:a="http://schemas.openxmlformats.org/drawingml/2006/main" xmlns:r="http://schemas.openxmlformats.org/officeDocument/2006/relationships" xmlns:p="http://schemas.openxmlformats.org/presentationml/2006/main">
+  <p:cSld>
+    <p:spTree>
+      <p:nvGrpSpPr>
+        <p:cNvPr id="1" name=""/>
+        <p:cNvGrpSpPr/>
+        <p:nvPr/>
+      </p:nvGrpSpPr>
+      <p:grpSpPr>
+        <a:xfrm>
+          <a:off x="0" y="0"/>
+          <a:ext cx="0" cy="0"/>
+          <a:chOff x="0" y="0"/>
+          <a:chExt cx="0" cy="0"/>
+        </a:xfrm>
+      </p:grpSpPr>
+      <p:sp>
+        <p:nvSpPr>
+          <p:cNvPr id="2" name="Title 1">
+            <a:extLst>
+              <a:ext uri="{FF2B5EF4-FFF2-40B4-BE49-F238E27FC236}">
+                <a16:creationId xmlns:a16="http://schemas.microsoft.com/office/drawing/2014/main" id="{647971E9-0998-48DF-B5BA-1AA8457FDB99}"/>
+              </a:ext>
+            </a:extLst>
+          </p:cNvPr>
+          <p:cNvSpPr>
+            <a:spLocks noGrp="1"/>
+          </p:cNvSpPr>
+          <p:nvPr>
+            <p:ph type="title"/>
+          </p:nvPr>
+        </p:nvSpPr>
+        <p:spPr/>
+        <p:txBody>
+          <a:bodyPr/>
+          <a:lstStyle/>
+          <a:p>
+            <a:r>
+              <a:rPr lang="en-US" dirty="0"/>
+              <a:t>Analysis - Clustering</a:t>
+            </a:r>
+          </a:p>
+        </p:txBody>
+      </p:sp>
+      <p:pic>
+        <p:nvPicPr>
+          <p:cNvPr id="4" name="Content Placeholder 3">
+            <a:extLst>
+              <a:ext uri="{FF2B5EF4-FFF2-40B4-BE49-F238E27FC236}">
+                <a16:creationId xmlns:a16="http://schemas.microsoft.com/office/drawing/2014/main" id="{EB1793DB-F7F8-4D7F-A220-0C4BF141AA49}"/>
+              </a:ext>
+            </a:extLst>
+          </p:cNvPr>
+          <p:cNvPicPr>
+            <a:picLocks noGrp="1" noChangeAspect="1"/>
+          </p:cNvPicPr>
+          <p:nvPr>
+            <p:ph sz="quarter" idx="4"/>
+          </p:nvPr>
+        </p:nvPicPr>
+        <p:blipFill>
+          <a:blip r:embed="rId2">
+            <a:extLst>
+              <a:ext uri="{28A0092B-C50C-407E-A947-70E740481C1C}">
+                <a14:useLocalDpi xmlns:a14="http://schemas.microsoft.com/office/drawing/2010/main" val="0"/>
+              </a:ext>
+            </a:extLst>
+          </a:blip>
+          <a:stretch>
+            <a:fillRect/>
+          </a:stretch>
+        </p:blipFill>
+        <p:spPr>
+          <a:xfrm>
+            <a:off x="4419295" y="2512770"/>
+            <a:ext cx="4548210" cy="3000196"/>
+          </a:xfrm>
+        </p:spPr>
+      </p:pic>
+      <p:sp>
+        <p:nvSpPr>
+          <p:cNvPr id="3" name="TextBox 2">
+            <a:extLst>
+              <a:ext uri="{FF2B5EF4-FFF2-40B4-BE49-F238E27FC236}">
+                <a16:creationId xmlns:a16="http://schemas.microsoft.com/office/drawing/2014/main" id="{E14CFDCC-9C21-43DE-9E35-253AD5A1C7B7}"/>
+              </a:ext>
+            </a:extLst>
+          </p:cNvPr>
+          <p:cNvSpPr txBox="1"/>
+          <p:nvPr/>
+        </p:nvSpPr>
+        <p:spPr>
+          <a:xfrm>
+            <a:off x="754374" y="2054655"/>
+            <a:ext cx="3512215" cy="4247317"/>
+          </a:xfrm>
+          <a:prstGeom prst="rect">
+            <a:avLst/>
+          </a:prstGeom>
+          <a:noFill/>
+        </p:spPr>
+        <p:txBody>
+          <a:bodyPr wrap="square" rtlCol="0">
+            <a:spAutoFit/>
+          </a:bodyPr>
+          <a:lstStyle/>
+          <a:p>
+            <a:pPr marL="285750" indent="-285750">
+              <a:buFont typeface="Arial" panose="020B0604020202020204" pitchFamily="34" charset="0"/>
+              <a:buChar char="•"/>
+            </a:pPr>
+            <a:r>
+              <a:rPr lang="en-US" dirty="0">
+                <a:solidFill>
+                  <a:schemeClr val="bg1"/>
+                </a:solidFill>
+              </a:rPr>
+              <a:t>Lastly, we apply the K-Means algorithm to the 2013 season to predict its playoff teams, shown on the side. </a:t>
+            </a:r>
+          </a:p>
+          <a:p>
+            <a:pPr marL="285750" indent="-285750">
+              <a:buFont typeface="Arial" panose="020B0604020202020204" pitchFamily="34" charset="0"/>
+              <a:buChar char="•"/>
+            </a:pPr>
+            <a:r>
+              <a:rPr lang="en-US" dirty="0">
+                <a:solidFill>
+                  <a:schemeClr val="bg1"/>
+                </a:solidFill>
+              </a:rPr>
+              <a:t>The result demonstrates that Cluster 1 of our model predicts 79% of the teams correctly and does represent the playoff caliber teams. Cluster 2 yields a 5.5% of playoff team, showing that clustering really gives an accurate prediction on whether a team makes the NFL playoff based on its performance.</a:t>
+            </a:r>
+          </a:p>
+          <a:p>
+            <a:pPr marL="285750" indent="-285750">
+              <a:buFont typeface="Arial" panose="020B0604020202020204" pitchFamily="34" charset="0"/>
+              <a:buChar char="•"/>
+            </a:pPr>
+            <a:endParaRPr lang="en-US" dirty="0">
+              <a:solidFill>
+                <a:schemeClr val="bg1"/>
+              </a:solidFill>
+            </a:endParaRPr>
+          </a:p>
+        </p:txBody>
+      </p:sp>
+    </p:spTree>
+    <p:extLst>
+      <p:ext uri="{BB962C8B-B14F-4D97-AF65-F5344CB8AC3E}">
+        <p14:creationId xmlns:p14="http://schemas.microsoft.com/office/powerpoint/2010/main" val="2439341579"/>
+      </p:ext>
+    </p:extLst>
+  </p:cSld>
+  <p:clrMapOvr>
+    <a:masterClrMapping/>
+  </p:clrMapOvr>
+</p:sld>
+</file>
+
+<file path=ppt/slides/slide12.xml><?xml version="1.0" encoding="utf-8"?>
+<p:sld xmlns:a="http://schemas.openxmlformats.org/drawingml/2006/main" xmlns:r="http://schemas.openxmlformats.org/officeDocument/2006/relationships" xmlns:p="http://schemas.openxmlformats.org/presentationml/2006/main">
+  <p:cSld>
+    <p:spTree>
+      <p:nvGrpSpPr>
+        <p:cNvPr id="1" name=""/>
+        <p:cNvGrpSpPr/>
+        <p:nvPr/>
+      </p:nvGrpSpPr>
+      <p:grpSpPr>
+        <a:xfrm>
+          <a:off x="0" y="0"/>
+          <a:ext cx="0" cy="0"/>
+          <a:chOff x="0" y="0"/>
+          <a:chExt cx="0" cy="0"/>
+        </a:xfrm>
+      </p:grpSpPr>
+      <p:sp>
+        <p:nvSpPr>
+          <p:cNvPr id="2" name="Title 1">
+            <a:extLst>
+              <a:ext uri="{FF2B5EF4-FFF2-40B4-BE49-F238E27FC236}">
                 <a16:creationId xmlns:a16="http://schemas.microsoft.com/office/drawing/2014/main" id="{C3DC1E56-3DB3-4FF1-9E59-357054B4A85C}"/>
               </a:ext>
             </a:extLst>
@@ -3575,14 +3911,21 @@
             <p:ph type="title"/>
           </p:nvPr>
         </p:nvSpPr>
-        <p:spPr/>
-        <p:txBody>
-          <a:bodyPr/>
-          <a:lstStyle/>
-          <a:p>
-            <a:r>
-              <a:rPr lang="en-US" dirty="0"/>
-              <a:t>Conclusion</a:t>
+        <p:spPr>
+          <a:xfrm>
+            <a:off x="457200" y="2665475"/>
+            <a:ext cx="8229600" cy="990295"/>
+          </a:xfrm>
+        </p:spPr>
+        <p:txBody>
+          <a:bodyPr>
+            <a:normAutofit/>
+          </a:bodyPr>
+          <a:lstStyle/>
+          <a:p>
+            <a:r>
+              <a:rPr lang="en-US" sz="4800" dirty="0"/>
+              <a:t>Thank you!</a:t>
             </a:r>
           </a:p>
         </p:txBody>
@@ -4107,11 +4450,108 @@
         </p:blipFill>
         <p:spPr>
           <a:xfrm>
-            <a:off x="2852062" y="2054225"/>
+            <a:off x="601670" y="2054655"/>
             <a:ext cx="3728801" cy="3646488"/>
           </a:xfrm>
         </p:spPr>
       </p:pic>
+      <p:sp>
+        <p:nvSpPr>
+          <p:cNvPr id="3" name="TextBox 2">
+            <a:extLst>
+              <a:ext uri="{FF2B5EF4-FFF2-40B4-BE49-F238E27FC236}">
+                <a16:creationId xmlns:a16="http://schemas.microsoft.com/office/drawing/2014/main" id="{D20941FB-3A39-425A-827B-583B59074218}"/>
+              </a:ext>
+            </a:extLst>
+          </p:cNvPr>
+          <p:cNvSpPr txBox="1"/>
+          <p:nvPr/>
+        </p:nvSpPr>
+        <p:spPr>
+          <a:xfrm>
+            <a:off x="4737247" y="2054655"/>
+            <a:ext cx="3206805" cy="2585323"/>
+          </a:xfrm>
+          <a:prstGeom prst="rect">
+            <a:avLst/>
+          </a:prstGeom>
+          <a:noFill/>
+        </p:spPr>
+        <p:txBody>
+          <a:bodyPr wrap="square" rtlCol="0">
+            <a:spAutoFit/>
+          </a:bodyPr>
+          <a:lstStyle/>
+          <a:p>
+            <a:pPr marL="285750" indent="-285750">
+              <a:buFont typeface="Arial" panose="020B0604020202020204" pitchFamily="34" charset="0"/>
+              <a:buChar char="•"/>
+            </a:pPr>
+            <a:r>
+              <a:rPr lang="en-US" dirty="0">
+                <a:solidFill>
+                  <a:schemeClr val="bg1"/>
+                </a:solidFill>
+              </a:rPr>
+              <a:t>We plot the correlation graph of our 23 potential predictors to check if there’s possible highly related predictor. </a:t>
+            </a:r>
+          </a:p>
+          <a:p>
+            <a:pPr marL="285750" indent="-285750">
+              <a:buFont typeface="Arial" panose="020B0604020202020204" pitchFamily="34" charset="0"/>
+              <a:buChar char="•"/>
+            </a:pPr>
+            <a:r>
+              <a:rPr lang="en-US" dirty="0">
+                <a:solidFill>
+                  <a:schemeClr val="bg1"/>
+                </a:solidFill>
+              </a:rPr>
+              <a:t>Most of the predictors look in shape, so we will keep all predictors for further subset selection process. </a:t>
+            </a:r>
+          </a:p>
+        </p:txBody>
+      </p:sp>
+      <p:sp>
+        <p:nvSpPr>
+          <p:cNvPr id="5" name="TextBox 4">
+            <a:extLst>
+              <a:ext uri="{FF2B5EF4-FFF2-40B4-BE49-F238E27FC236}">
+                <a16:creationId xmlns:a16="http://schemas.microsoft.com/office/drawing/2014/main" id="{B1AC56BD-9D6E-4ED7-A059-F8ABF7E5DBBA}"/>
+              </a:ext>
+            </a:extLst>
+          </p:cNvPr>
+          <p:cNvSpPr txBox="1"/>
+          <p:nvPr/>
+        </p:nvSpPr>
+        <p:spPr>
+          <a:xfrm>
+            <a:off x="786315" y="5701143"/>
+            <a:ext cx="3359510" cy="369332"/>
+          </a:xfrm>
+          <a:prstGeom prst="rect">
+            <a:avLst/>
+          </a:prstGeom>
+          <a:noFill/>
+        </p:spPr>
+        <p:txBody>
+          <a:bodyPr wrap="square" rtlCol="0">
+            <a:spAutoFit/>
+          </a:bodyPr>
+          <a:lstStyle/>
+          <a:p>
+            <a:pPr algn="ctr"/>
+            <a:r>
+              <a:rPr lang="en-US" dirty="0">
+                <a:solidFill>
+                  <a:schemeClr val="bg1"/>
+                </a:solidFill>
+              </a:rPr>
+              <a:t>NFL Predictors Correlation</a:t>
+            </a:r>
+          </a:p>
+        </p:txBody>
+      </p:sp>
     </p:spTree>
     <p:extLst>
       <p:ext uri="{BB962C8B-B14F-4D97-AF65-F5344CB8AC3E}">
@@ -4200,11 +4640,196 @@
         </p:blipFill>
         <p:spPr>
           <a:xfrm>
-            <a:off x="2006803" y="2054225"/>
-            <a:ext cx="5419319" cy="3646488"/>
+            <a:off x="3961180" y="2360065"/>
+            <a:ext cx="4936468" cy="3321592"/>
           </a:xfrm>
         </p:spPr>
       </p:pic>
+      <p:sp>
+        <p:nvSpPr>
+          <p:cNvPr id="3" name="TextBox 2">
+            <a:extLst>
+              <a:ext uri="{FF2B5EF4-FFF2-40B4-BE49-F238E27FC236}">
+                <a16:creationId xmlns:a16="http://schemas.microsoft.com/office/drawing/2014/main" id="{C2CAA04E-706D-4667-9A9D-A9DD3F5E4E4E}"/>
+              </a:ext>
+            </a:extLst>
+          </p:cNvPr>
+          <p:cNvSpPr txBox="1"/>
+          <p:nvPr/>
+        </p:nvSpPr>
+        <p:spPr>
+          <a:xfrm>
+            <a:off x="448965" y="2360065"/>
+            <a:ext cx="3206805" cy="3416320"/>
+          </a:xfrm>
+          <a:prstGeom prst="rect">
+            <a:avLst/>
+          </a:prstGeom>
+          <a:noFill/>
+        </p:spPr>
+        <p:txBody>
+          <a:bodyPr wrap="square" rtlCol="0">
+            <a:spAutoFit/>
+          </a:bodyPr>
+          <a:lstStyle/>
+          <a:p>
+            <a:pPr marL="285750" indent="-285750">
+              <a:buFont typeface="Arial" panose="020B0604020202020204" pitchFamily="34" charset="0"/>
+              <a:buChar char="•"/>
+            </a:pPr>
+            <a:r>
+              <a:rPr lang="en-US" dirty="0">
+                <a:solidFill>
+                  <a:schemeClr val="bg1"/>
+                </a:solidFill>
+              </a:rPr>
+              <a:t>Use the </a:t>
+            </a:r>
+            <a:r>
+              <a:rPr lang="en-US" i="1" dirty="0" err="1">
+                <a:solidFill>
+                  <a:schemeClr val="bg1"/>
+                </a:solidFill>
+              </a:rPr>
+              <a:t>regsubsets</a:t>
+            </a:r>
+            <a:r>
+              <a:rPr lang="en-US" dirty="0">
+                <a:solidFill>
+                  <a:schemeClr val="bg1"/>
+                </a:solidFill>
+              </a:rPr>
+              <a:t> function to perform best subset selection in order to choose the best model containing our 23 predictors according to Cp, BIC, and adjusted R2.</a:t>
+            </a:r>
+          </a:p>
+          <a:p>
+            <a:pPr marL="285750" indent="-285750">
+              <a:buFont typeface="Arial" panose="020B0604020202020204" pitchFamily="34" charset="0"/>
+              <a:buChar char="•"/>
+            </a:pPr>
+            <a:r>
+              <a:rPr lang="en-US" dirty="0">
+                <a:solidFill>
+                  <a:schemeClr val="bg1"/>
+                </a:solidFill>
+              </a:rPr>
+              <a:t>The best subset method yields a result of 7 best predictors: </a:t>
+            </a:r>
+            <a:r>
+              <a:rPr lang="en-US" dirty="0" err="1">
+                <a:solidFill>
+                  <a:schemeClr val="bg1"/>
+                </a:solidFill>
+              </a:rPr>
+              <a:t>ScoreOff</a:t>
+            </a:r>
+            <a:r>
+              <a:rPr lang="en-US" dirty="0">
+                <a:solidFill>
+                  <a:schemeClr val="bg1"/>
+                </a:solidFill>
+              </a:rPr>
+              <a:t>, </a:t>
+            </a:r>
+            <a:r>
+              <a:rPr lang="en-US" dirty="0" err="1">
+                <a:solidFill>
+                  <a:schemeClr val="bg1"/>
+                </a:solidFill>
+              </a:rPr>
+              <a:t>RushAttOff</a:t>
+            </a:r>
+            <a:r>
+              <a:rPr lang="en-US" dirty="0">
+                <a:solidFill>
+                  <a:schemeClr val="bg1"/>
+                </a:solidFill>
+              </a:rPr>
+              <a:t>, </a:t>
+            </a:r>
+            <a:r>
+              <a:rPr lang="en-US" dirty="0" err="1">
+                <a:solidFill>
+                  <a:schemeClr val="bg1"/>
+                </a:solidFill>
+              </a:rPr>
+              <a:t>RushYdsOff</a:t>
+            </a:r>
+            <a:r>
+              <a:rPr lang="en-US" dirty="0">
+                <a:solidFill>
+                  <a:schemeClr val="bg1"/>
+                </a:solidFill>
+              </a:rPr>
+              <a:t>, </a:t>
+            </a:r>
+            <a:r>
+              <a:rPr lang="en-US" dirty="0" err="1">
+                <a:solidFill>
+                  <a:schemeClr val="bg1"/>
+                </a:solidFill>
+              </a:rPr>
+              <a:t>ScoreDef</a:t>
+            </a:r>
+            <a:r>
+              <a:rPr lang="en-US" dirty="0">
+                <a:solidFill>
+                  <a:schemeClr val="bg1"/>
+                </a:solidFill>
+              </a:rPr>
+              <a:t>, </a:t>
+            </a:r>
+            <a:r>
+              <a:rPr lang="en-US" dirty="0" err="1">
+                <a:solidFill>
+                  <a:schemeClr val="bg1"/>
+                </a:solidFill>
+              </a:rPr>
+              <a:t>RushYdsDef</a:t>
+            </a:r>
+            <a:r>
+              <a:rPr lang="en-US" dirty="0">
+                <a:solidFill>
+                  <a:schemeClr val="bg1"/>
+                </a:solidFill>
+              </a:rPr>
+              <a:t>, </a:t>
+            </a:r>
+            <a:r>
+              <a:rPr lang="en-US" dirty="0" err="1">
+                <a:solidFill>
+                  <a:schemeClr val="bg1"/>
+                </a:solidFill>
+              </a:rPr>
+              <a:t>PassAttDef</a:t>
+            </a:r>
+            <a:r>
+              <a:rPr lang="en-US" dirty="0">
+                <a:solidFill>
+                  <a:schemeClr val="bg1"/>
+                </a:solidFill>
+              </a:rPr>
+              <a:t>, </a:t>
+            </a:r>
+            <a:r>
+              <a:rPr lang="en-US" dirty="0" err="1">
+                <a:solidFill>
+                  <a:schemeClr val="bg1"/>
+                </a:solidFill>
+              </a:rPr>
+              <a:t>FumblesDef</a:t>
+            </a:r>
+            <a:r>
+              <a:rPr lang="en-US" dirty="0">
+                <a:solidFill>
+                  <a:schemeClr val="bg1"/>
+                </a:solidFill>
+              </a:rPr>
+              <a:t>.</a:t>
+            </a:r>
+          </a:p>
+        </p:txBody>
+      </p:sp>
     </p:spTree>
     <p:extLst>
       <p:ext uri="{BB962C8B-B14F-4D97-AF65-F5344CB8AC3E}">
@@ -4258,26 +4883,79 @@
           <a:p>
             <a:r>
               <a:rPr lang="en-US" dirty="0"/>
-              <a:t>Analysis - Clustering</a:t>
+              <a:t>Analysis – LASSO</a:t>
+            </a:r>
+          </a:p>
+        </p:txBody>
+      </p:sp>
+      <p:sp>
+        <p:nvSpPr>
+          <p:cNvPr id="5" name="Content Placeholder 4">
+            <a:extLst>
+              <a:ext uri="{FF2B5EF4-FFF2-40B4-BE49-F238E27FC236}">
+                <a16:creationId xmlns:a16="http://schemas.microsoft.com/office/drawing/2014/main" id="{2CFD42E6-22EE-4D52-9B86-D1B37078EA02}"/>
+              </a:ext>
+            </a:extLst>
+          </p:cNvPr>
+          <p:cNvSpPr>
+            <a:spLocks noGrp="1"/>
+          </p:cNvSpPr>
+          <p:nvPr>
+            <p:ph sz="quarter" idx="4"/>
+          </p:nvPr>
+        </p:nvSpPr>
+        <p:spPr>
+          <a:xfrm>
+            <a:off x="4857537" y="2207360"/>
+            <a:ext cx="4041775" cy="3492240"/>
+          </a:xfrm>
+        </p:spPr>
+        <p:txBody>
+          <a:bodyPr>
+            <a:noAutofit/>
+          </a:bodyPr>
+          <a:lstStyle/>
+          <a:p>
+            <a:r>
+              <a:rPr lang="en-US" sz="1600" dirty="0"/>
+              <a:t>For the sake of space, we only show the result of LASSO instead of the linear regression model.</a:t>
+            </a:r>
+          </a:p>
+          <a:p>
+            <a:r>
+              <a:rPr lang="en-US" sz="1600" dirty="0"/>
+              <a:t>The LASSO Regression yields a optimal lambda of 0.08683439 and gives the following model with also 7 variables: Wins = 5.84 + 0.0134ScoreOff + 0.0003RushAttOff - 0.0178PassIntOff - 0.0009SackYdsOff - 0.0111ScoreDef + 0.0035PassAttDef + 0.0085PassIntDef. This model has an </a:t>
+            </a:r>
+            <a:r>
+              <a:rPr lang="en-US" sz="1600" dirty="0" err="1"/>
+              <a:t>Avg.MSPE</a:t>
+            </a:r>
+            <a:r>
+              <a:rPr lang="en-US" sz="1600" dirty="0"/>
+              <a:t> of 3.054585, which is “better” than the linear regression model.</a:t>
+            </a:r>
+          </a:p>
+          <a:p>
+            <a:r>
+              <a:rPr lang="en-US" sz="1600" dirty="0"/>
+              <a:t>We conduct the same procedure for college football teams and yields similar results. </a:t>
             </a:r>
           </a:p>
         </p:txBody>
       </p:sp>
       <p:pic>
         <p:nvPicPr>
-          <p:cNvPr id="4" name="Content Placeholder 3">
+          <p:cNvPr id="7" name="Picture 6">
             <a:extLst>
               <a:ext uri="{FF2B5EF4-FFF2-40B4-BE49-F238E27FC236}">
-                <a16:creationId xmlns:a16="http://schemas.microsoft.com/office/drawing/2014/main" id="{7FAC61FE-2CB1-4685-8D0C-2CEEA7F6466D}"/>
+                <a16:creationId xmlns:a16="http://schemas.microsoft.com/office/drawing/2014/main" id="{FBF19AA4-BD5D-4D9A-BD6F-D0A1E39FEE8B}"/>
               </a:ext>
             </a:extLst>
           </p:cNvPr>
           <p:cNvPicPr>
-            <a:picLocks noGrp="1" noChangeAspect="1"/>
+            <a:picLocks noChangeAspect="1"/>
           </p:cNvPicPr>
-          <p:nvPr>
-            <p:ph sz="quarter" idx="4"/>
-          </p:nvPr>
+          <p:nvPr/>
         </p:nvPicPr>
         <p:blipFill>
           <a:blip r:embed="rId2">
@@ -4293,15 +4971,18 @@
         </p:blipFill>
         <p:spPr>
           <a:xfrm>
-            <a:off x="4075451" y="2054655"/>
-            <a:ext cx="4671156" cy="3530954"/>
+            <a:off x="296260" y="2685450"/>
+            <a:ext cx="4411654" cy="2735082"/>
           </a:xfrm>
+          <a:prstGeom prst="rect">
+            <a:avLst/>
+          </a:prstGeom>
         </p:spPr>
       </p:pic>
     </p:spTree>
     <p:extLst>
       <p:ext uri="{BB962C8B-B14F-4D97-AF65-F5344CB8AC3E}">
-        <p14:creationId xmlns:p14="http://schemas.microsoft.com/office/powerpoint/2010/main" val="2717374953"/>
+        <p14:creationId xmlns:p14="http://schemas.microsoft.com/office/powerpoint/2010/main" val="2896044431"/>
       </p:ext>
     </p:extLst>
   </p:cSld>
@@ -4344,7 +5025,12 @@
             <p:ph type="title"/>
           </p:nvPr>
         </p:nvSpPr>
-        <p:spPr/>
+        <p:spPr>
+          <a:xfrm>
+            <a:off x="465436" y="837408"/>
+            <a:ext cx="8229600" cy="990295"/>
+          </a:xfrm>
+        </p:spPr>
         <p:txBody>
           <a:bodyPr/>
           <a:lstStyle/>
@@ -4356,81 +5042,51 @@
           </a:p>
         </p:txBody>
       </p:sp>
-      <p:pic>
-        <p:nvPicPr>
-          <p:cNvPr id="11" name="Content Placeholder 10">
+      <p:sp>
+        <p:nvSpPr>
+          <p:cNvPr id="5" name="Content Placeholder 4">
             <a:extLst>
               <a:ext uri="{FF2B5EF4-FFF2-40B4-BE49-F238E27FC236}">
-                <a16:creationId xmlns:a16="http://schemas.microsoft.com/office/drawing/2014/main" id="{267879E1-7F56-47DB-85A8-674FC7A1E93F}"/>
+                <a16:creationId xmlns:a16="http://schemas.microsoft.com/office/drawing/2014/main" id="{173B2AC3-8E1C-47B9-9AEE-3A6B87F7BFDD}"/>
               </a:ext>
             </a:extLst>
           </p:cNvPr>
-          <p:cNvPicPr>
-            <a:picLocks noGrp="1" noChangeAspect="1"/>
-          </p:cNvPicPr>
+          <p:cNvSpPr>
+            <a:spLocks noGrp="1"/>
+          </p:cNvSpPr>
           <p:nvPr>
             <p:ph sz="quarter" idx="4"/>
           </p:nvPr>
-        </p:nvPicPr>
-        <p:blipFill>
-          <a:blip r:embed="rId2">
-            <a:extLst>
-              <a:ext uri="{28A0092B-C50C-407E-A947-70E740481C1C}">
-                <a14:useLocalDpi xmlns:a14="http://schemas.microsoft.com/office/drawing/2010/main" val="0"/>
-              </a:ext>
-            </a:extLst>
-          </a:blip>
-          <a:stretch>
-            <a:fillRect/>
-          </a:stretch>
-        </p:blipFill>
+        </p:nvSpPr>
         <p:spPr>
           <a:xfrm>
-            <a:off x="4637088" y="2836907"/>
-            <a:ext cx="4041775" cy="2692311"/>
+            <a:off x="465436" y="1901950"/>
+            <a:ext cx="8213130" cy="4428445"/>
           </a:xfrm>
         </p:spPr>
-      </p:pic>
-      <p:pic>
-        <p:nvPicPr>
-          <p:cNvPr id="13" name="Picture 12">
-            <a:extLst>
-              <a:ext uri="{FF2B5EF4-FFF2-40B4-BE49-F238E27FC236}">
-                <a16:creationId xmlns:a16="http://schemas.microsoft.com/office/drawing/2014/main" id="{893039A1-0390-4DEF-B91B-D231A3AF3CE1}"/>
-              </a:ext>
-            </a:extLst>
-          </p:cNvPr>
-          <p:cNvPicPr>
-            <a:picLocks noChangeAspect="1"/>
-          </p:cNvPicPr>
-          <p:nvPr/>
-        </p:nvPicPr>
-        <p:blipFill>
-          <a:blip r:embed="rId3">
-            <a:extLst>
-              <a:ext uri="{28A0092B-C50C-407E-A947-70E740481C1C}">
-                <a14:useLocalDpi xmlns:a14="http://schemas.microsoft.com/office/drawing/2010/main" val="0"/>
-              </a:ext>
-            </a:extLst>
-          </a:blip>
-          <a:stretch>
-            <a:fillRect/>
-          </a:stretch>
-        </p:blipFill>
-        <p:spPr>
-          <a:xfrm>
-            <a:off x="502140" y="2836907"/>
-            <a:ext cx="4112134" cy="2692310"/>
-          </a:xfrm>
-          <a:prstGeom prst="rect">
-            <a:avLst/>
-          </a:prstGeom>
-        </p:spPr>
-      </p:pic>
+        <p:txBody>
+          <a:bodyPr>
+            <a:noAutofit/>
+          </a:bodyPr>
+          <a:lstStyle/>
+          <a:p>
+            <a:r>
+              <a:rPr lang="en-US" sz="1800" dirty="0"/>
+              <a:t>NFL teams that performed poorly in win column one year can rise to Super Bowl champions the next (like the Philadelphia Eagles). An NFL game has been sometimes referred to as a “game of inches” in which wins and losses can be determined by chance, hiding the true potential of a team. This could lead to the seemingly surprising rise of a team like the Eagles. </a:t>
+            </a:r>
+          </a:p>
+          <a:p>
+            <a:r>
+              <a:rPr lang="en-US" sz="1800" dirty="0"/>
+              <a:t>We can use machine learning to look beyond just team record to determine which teams that performed poorly last year could compete for a Super Bowl this year. Our goal is to create a machine learning model that groups NFL teams together, predicting a set of playoff teams. We’d look at NFL season (2000-2013) that we used to predict “Wins” with a column indicating whether a team makes the playoff or not. to test our model on predicting former playoff teams, and then later we will predict next season’s. Since we want to visualize the groupings of NFL teams, we must reduce the dimensionality of all the variable data we collected using Principal Component Analysis (PCA).</a:t>
+            </a:r>
+          </a:p>
+        </p:txBody>
+      </p:sp>
     </p:spTree>
     <p:extLst>
       <p:ext uri="{BB962C8B-B14F-4D97-AF65-F5344CB8AC3E}">
-        <p14:creationId xmlns:p14="http://schemas.microsoft.com/office/powerpoint/2010/main" val="883922752"/>
+        <p14:creationId xmlns:p14="http://schemas.microsoft.com/office/powerpoint/2010/main" val="1835053655"/>
       </p:ext>
     </p:extLst>
   </p:cSld>
@@ -4473,7 +5129,12 @@
             <p:ph type="title"/>
           </p:nvPr>
         </p:nvSpPr>
-        <p:spPr/>
+        <p:spPr>
+          <a:xfrm>
+            <a:off x="523601" y="985720"/>
+            <a:ext cx="8229600" cy="990295"/>
+          </a:xfrm>
+        </p:spPr>
         <p:txBody>
           <a:bodyPr/>
           <a:lstStyle/>
@@ -4490,7 +5151,7 @@
           <p:cNvPr id="4" name="Content Placeholder 3">
             <a:extLst>
               <a:ext uri="{FF2B5EF4-FFF2-40B4-BE49-F238E27FC236}">
-                <a16:creationId xmlns:a16="http://schemas.microsoft.com/office/drawing/2014/main" id="{EB1793DB-F7F8-4D7F-A220-0C4BF141AA49}"/>
+                <a16:creationId xmlns:a16="http://schemas.microsoft.com/office/drawing/2014/main" id="{7FAC61FE-2CB1-4685-8D0C-2CEEA7F6466D}"/>
               </a:ext>
             </a:extLst>
           </p:cNvPr>
@@ -4515,15 +5176,72 @@
         </p:blipFill>
         <p:spPr>
           <a:xfrm>
-            <a:off x="4419295" y="2512770"/>
-            <a:ext cx="4548210" cy="3000196"/>
+            <a:off x="452534" y="2054655"/>
+            <a:ext cx="4848382" cy="3664920"/>
           </a:xfrm>
         </p:spPr>
       </p:pic>
+      <p:sp>
+        <p:nvSpPr>
+          <p:cNvPr id="6" name="TextBox 5">
+            <a:extLst>
+              <a:ext uri="{FF2B5EF4-FFF2-40B4-BE49-F238E27FC236}">
+                <a16:creationId xmlns:a16="http://schemas.microsoft.com/office/drawing/2014/main" id="{34190695-2359-4AF5-A78C-63744F004809}"/>
+              </a:ext>
+            </a:extLst>
+          </p:cNvPr>
+          <p:cNvSpPr txBox="1"/>
+          <p:nvPr/>
+        </p:nvSpPr>
+        <p:spPr>
+          <a:xfrm>
+            <a:off x="5488230" y="1901950"/>
+            <a:ext cx="3054100" cy="4247317"/>
+          </a:xfrm>
+          <a:prstGeom prst="rect">
+            <a:avLst/>
+          </a:prstGeom>
+          <a:noFill/>
+        </p:spPr>
+        <p:txBody>
+          <a:bodyPr wrap="square" rtlCol="0">
+            <a:spAutoFit/>
+          </a:bodyPr>
+          <a:lstStyle/>
+          <a:p>
+            <a:pPr marL="285750" indent="-285750">
+              <a:buFont typeface="Arial" panose="020B0604020202020204" pitchFamily="34" charset="0"/>
+              <a:buChar char="•"/>
+            </a:pPr>
+            <a:r>
+              <a:rPr lang="en-US" dirty="0">
+                <a:solidFill>
+                  <a:schemeClr val="bg1"/>
+                </a:solidFill>
+              </a:rPr>
+              <a:t>Every point represents the performance of a team in a certain season. A point further away from the origin means the team’s performance is more outstanding compare to the average. For example, the New England Patriots made to the Super Bowl in 2012 and its point is far away from the origin. </a:t>
+            </a:r>
+          </a:p>
+          <a:p>
+            <a:pPr marL="285750" indent="-285750">
+              <a:buFont typeface="Arial" panose="020B0604020202020204" pitchFamily="34" charset="0"/>
+              <a:buChar char="•"/>
+            </a:pPr>
+            <a:r>
+              <a:rPr lang="en-US" dirty="0">
+                <a:solidFill>
+                  <a:schemeClr val="bg1"/>
+                </a:solidFill>
+              </a:rPr>
+              <a:t>PC1 And PC2 are the reduced variables based on the predictors we use. </a:t>
+            </a:r>
+          </a:p>
+        </p:txBody>
+      </p:sp>
     </p:spTree>
     <p:extLst>
       <p:ext uri="{BB962C8B-B14F-4D97-AF65-F5344CB8AC3E}">
-        <p14:creationId xmlns:p14="http://schemas.microsoft.com/office/powerpoint/2010/main" val="2439341579"/>
+        <p14:creationId xmlns:p14="http://schemas.microsoft.com/office/powerpoint/2010/main" val="2717374953"/>
       </p:ext>
     </p:extLst>
   </p:cSld>
